--- a/IoT - 26 - Data Processing.pptx
+++ b/IoT - 26 - Data Processing.pptx
@@ -2826,7 +2826,7 @@
           <p:cNvPr id="7" name="Group 6">
             <a:extLst>
               <a:ext uri="{FF2B5EF4-FFF2-40B4-BE49-F238E27FC236}">
-                <a16:creationId xmlns="" xmlns:a16="http://schemas.microsoft.com/office/drawing/2014/main" id="{B8B1B517-CE10-451E-92F5-CBA2977A8025}"/>
+                <a16:creationId xmlns:a16="http://schemas.microsoft.com/office/drawing/2014/main" xmlns="" id="{B8B1B517-CE10-451E-92F5-CBA2977A8025}"/>
               </a:ext>
             </a:extLst>
           </p:cNvPr>
@@ -2846,7 +2846,7 @@
             <p:cNvPr id="8" name="Picture 7">
               <a:extLst>
                 <a:ext uri="{FF2B5EF4-FFF2-40B4-BE49-F238E27FC236}">
-                  <a16:creationId xmlns="" xmlns:a16="http://schemas.microsoft.com/office/drawing/2014/main" id="{DA670464-DF80-4880-BF4C-582A85F3B282}"/>
+                  <a16:creationId xmlns:a16="http://schemas.microsoft.com/office/drawing/2014/main" xmlns="" id="{DA670464-DF80-4880-BF4C-582A85F3B282}"/>
                 </a:ext>
               </a:extLst>
             </p:cNvPr>
@@ -2882,7 +2882,7 @@
             <p:cNvPr id="9" name="Title 1">
               <a:extLst>
                 <a:ext uri="{FF2B5EF4-FFF2-40B4-BE49-F238E27FC236}">
-                  <a16:creationId xmlns="" xmlns:a16="http://schemas.microsoft.com/office/drawing/2014/main" id="{C9E49C98-31DC-4320-85F0-1310768EAE59}"/>
+                  <a16:creationId xmlns:a16="http://schemas.microsoft.com/office/drawing/2014/main" xmlns="" id="{C9E49C98-31DC-4320-85F0-1310768EAE59}"/>
                 </a:ext>
               </a:extLst>
             </p:cNvPr>
@@ -3274,7 +3274,7 @@
           <p:cNvPr id="47" name="Picture 46">
             <a:extLst>
               <a:ext uri="{FF2B5EF4-FFF2-40B4-BE49-F238E27FC236}">
-                <a16:creationId xmlns="" xmlns:a16="http://schemas.microsoft.com/office/drawing/2014/main" id="{1CA5F2D1-C77B-4614-B681-5858C9584088}"/>
+                <a16:creationId xmlns:a16="http://schemas.microsoft.com/office/drawing/2014/main" xmlns="" id="{1CA5F2D1-C77B-4614-B681-5858C9584088}"/>
               </a:ext>
             </a:extLst>
           </p:cNvPr>
@@ -3309,7 +3309,7 @@
           <p:cNvPr id="11" name="Picture 10">
             <a:extLst>
               <a:ext uri="{FF2B5EF4-FFF2-40B4-BE49-F238E27FC236}">
-                <a16:creationId xmlns="" xmlns:a16="http://schemas.microsoft.com/office/drawing/2014/main" id="{8EA70F98-D6BF-44D5-864A-E8B8E6EA8A9F}"/>
+                <a16:creationId xmlns:a16="http://schemas.microsoft.com/office/drawing/2014/main" xmlns="" id="{8EA70F98-D6BF-44D5-864A-E8B8E6EA8A9F}"/>
               </a:ext>
             </a:extLst>
           </p:cNvPr>
@@ -3344,7 +3344,7 @@
           <p:cNvPr id="12" name="Rectangle 11">
             <a:extLst>
               <a:ext uri="{FF2B5EF4-FFF2-40B4-BE49-F238E27FC236}">
-                <a16:creationId xmlns="" xmlns:a16="http://schemas.microsoft.com/office/drawing/2014/main" id="{57E39DBC-BF39-4AA8-A8D4-8190CF567658}"/>
+                <a16:creationId xmlns:a16="http://schemas.microsoft.com/office/drawing/2014/main" xmlns="" id="{57E39DBC-BF39-4AA8-A8D4-8190CF567658}"/>
               </a:ext>
             </a:extLst>
           </p:cNvPr>
@@ -3407,7 +3407,7 @@
           <p:cNvPr id="21" name="Picture 20">
             <a:extLst>
               <a:ext uri="{FF2B5EF4-FFF2-40B4-BE49-F238E27FC236}">
-                <a16:creationId xmlns="" xmlns:a16="http://schemas.microsoft.com/office/drawing/2014/main" id="{089B2762-C2F9-4BAC-B1EE-95539397A963}"/>
+                <a16:creationId xmlns:a16="http://schemas.microsoft.com/office/drawing/2014/main" xmlns="" id="{089B2762-C2F9-4BAC-B1EE-95539397A963}"/>
               </a:ext>
             </a:extLst>
           </p:cNvPr>
@@ -3443,7 +3443,7 @@
           <p:cNvPr id="46" name="Group 45">
             <a:extLst>
               <a:ext uri="{FF2B5EF4-FFF2-40B4-BE49-F238E27FC236}">
-                <a16:creationId xmlns="" xmlns:a16="http://schemas.microsoft.com/office/drawing/2014/main" id="{4B60F85D-D540-4735-B378-D7D9225FE7F3}"/>
+                <a16:creationId xmlns:a16="http://schemas.microsoft.com/office/drawing/2014/main" xmlns="" id="{4B60F85D-D540-4735-B378-D7D9225FE7F3}"/>
               </a:ext>
             </a:extLst>
           </p:cNvPr>
@@ -3463,7 +3463,7 @@
             <p:cNvPr id="34" name="Picture 33">
               <a:extLst>
                 <a:ext uri="{FF2B5EF4-FFF2-40B4-BE49-F238E27FC236}">
-                  <a16:creationId xmlns="" xmlns:a16="http://schemas.microsoft.com/office/drawing/2014/main" id="{2CE453EB-EDB4-49CF-90BE-4F74F5C3CE50}"/>
+                  <a16:creationId xmlns:a16="http://schemas.microsoft.com/office/drawing/2014/main" xmlns="" id="{2CE453EB-EDB4-49CF-90BE-4F74F5C3CE50}"/>
                 </a:ext>
               </a:extLst>
             </p:cNvPr>
@@ -3499,7 +3499,7 @@
             <p:cNvPr id="37" name="Title 1">
               <a:extLst>
                 <a:ext uri="{FF2B5EF4-FFF2-40B4-BE49-F238E27FC236}">
-                  <a16:creationId xmlns="" xmlns:a16="http://schemas.microsoft.com/office/drawing/2014/main" id="{73E0DBD7-B92C-4F4C-A59F-F8EF3A4C3876}"/>
+                  <a16:creationId xmlns:a16="http://schemas.microsoft.com/office/drawing/2014/main" xmlns="" id="{73E0DBD7-B92C-4F4C-A59F-F8EF3A4C3876}"/>
                 </a:ext>
               </a:extLst>
             </p:cNvPr>
@@ -3570,7 +3570,7 @@
           <p:cNvPr id="17" name="Title 1">
             <a:extLst>
               <a:ext uri="{FF2B5EF4-FFF2-40B4-BE49-F238E27FC236}">
-                <a16:creationId xmlns="" xmlns:a16="http://schemas.microsoft.com/office/drawing/2014/main" id="{FE488684-4B91-45E0-AC48-E54C1020FB09}"/>
+                <a16:creationId xmlns:a16="http://schemas.microsoft.com/office/drawing/2014/main" xmlns="" id="{FE488684-4B91-45E0-AC48-E54C1020FB09}"/>
               </a:ext>
             </a:extLst>
           </p:cNvPr>
@@ -3778,8 +3778,16 @@
               </a:lnSpc>
             </a:pPr>
             <a:r>
+              <a:rPr lang="en-US" b="1" dirty="0">
+                <a:solidFill>
+                  <a:srgbClr val="FF0000"/>
+                </a:solidFill>
+              </a:rPr>
+              <a:t>Data validation </a:t>
+            </a:r>
+            <a:r>
               <a:rPr lang="en-US" dirty="0"/>
-              <a:t>Data validation and modification for incoming telemetry or attributes before saving to the database.</a:t>
+              <a:t>and modification for incoming telemetry or attributes before saving to the database.</a:t>
             </a:r>
           </a:p>
           <a:p>
@@ -3789,8 +3797,16 @@
               </a:lnSpc>
             </a:pPr>
             <a:r>
+              <a:rPr lang="en-US" b="1" dirty="0">
+                <a:solidFill>
+                  <a:srgbClr val="FF0000"/>
+                </a:solidFill>
+              </a:rPr>
+              <a:t>Copy telemetry or attributes from devices to related assets </a:t>
+            </a:r>
+            <a:r>
               <a:rPr lang="en-US" dirty="0"/>
-              <a:t>Copy telemetry or attributes from devices to related assets so you can aggregate telemetry. For example data from multiple devices can be aggregated in related Asset.</a:t>
+              <a:t>so you can aggregate telemetry. For example data from multiple devices can be aggregated in related Asset.</a:t>
             </a:r>
           </a:p>
           <a:p>
@@ -3800,8 +3816,16 @@
               </a:lnSpc>
             </a:pPr>
             <a:r>
+              <a:rPr lang="en-US" b="1" dirty="0">
+                <a:solidFill>
+                  <a:srgbClr val="FF0000"/>
+                </a:solidFill>
+              </a:rPr>
+              <a:t>Create/Update/Clear alarms</a:t>
+            </a:r>
+            <a:r>
               <a:rPr lang="en-US" dirty="0"/>
-              <a:t>Create/Update/Clear alarms based on defined conditions.</a:t>
+              <a:t> based on defined conditions.</a:t>
             </a:r>
           </a:p>
           <a:p>
@@ -3811,8 +3835,16 @@
               </a:lnSpc>
             </a:pPr>
             <a:r>
+              <a:rPr lang="en-US" b="1" dirty="0">
+                <a:solidFill>
+                  <a:srgbClr val="FF0000"/>
+                </a:solidFill>
+              </a:rPr>
+              <a:t>Trigger actions </a:t>
+            </a:r>
+            <a:r>
               <a:rPr lang="en-US" dirty="0"/>
-              <a:t>Trigger actions based on device life-cycle events. For example, create alerts if Device is Online/Offline</a:t>
+              <a:t>based on device life-cycle events. For example, create alerts if Device is Online/Offline</a:t>
             </a:r>
             <a:r>
               <a:rPr lang="en-US" dirty="0" smtClean="0"/>
@@ -4908,7 +4940,7 @@
           <p:cNvPr id="2" name="Title 1">
             <a:extLst>
               <a:ext uri="{FF2B5EF4-FFF2-40B4-BE49-F238E27FC236}">
-                <a16:creationId xmlns="" xmlns:a16="http://schemas.microsoft.com/office/drawing/2014/main" id="{EBC7F5F5-6472-4058-B940-4A57EB876553}"/>
+                <a16:creationId xmlns:a16="http://schemas.microsoft.com/office/drawing/2014/main" xmlns="" id="{EBC7F5F5-6472-4058-B940-4A57EB876553}"/>
               </a:ext>
             </a:extLst>
           </p:cNvPr>
@@ -4937,7 +4969,7 @@
           <p:cNvPr id="3" name="Content Placeholder 2">
             <a:extLst>
               <a:ext uri="{FF2B5EF4-FFF2-40B4-BE49-F238E27FC236}">
-                <a16:creationId xmlns="" xmlns:a16="http://schemas.microsoft.com/office/drawing/2014/main" id="{37D1BF9C-629D-45B7-9A7B-4433E5D0E548}"/>
+                <a16:creationId xmlns:a16="http://schemas.microsoft.com/office/drawing/2014/main" xmlns="" id="{37D1BF9C-629D-45B7-9A7B-4433E5D0E548}"/>
               </a:ext>
             </a:extLst>
           </p:cNvPr>
@@ -15378,13 +15410,25 @@
               <a:rPr lang="en-US" sz="2000" dirty="0">
                 <a:hlinkClick r:id="rId3"/>
               </a:rPr>
-              <a:t>https://sendgrid.com/docs/ui/account-and-settings/api-keys</a:t>
+              <a:t>https://thingsboard.io/docs/samples/alarms/mail</a:t>
             </a:r>
             <a:r>
               <a:rPr lang="en-US" sz="2000" dirty="0" smtClean="0">
                 <a:hlinkClick r:id="rId3"/>
               </a:rPr>
               <a:t>/</a:t>
+            </a:r>
+            <a:endParaRPr lang="en-US" sz="2000" dirty="0" smtClean="0"/>
+          </a:p>
+          <a:p>
+            <a:pPr lvl="1"/>
+            <a:r>
+              <a:rPr lang="en-US" sz="2000" dirty="0" err="1" smtClean="0"/>
+              <a:t>Jalankan</a:t>
+            </a:r>
+            <a:r>
+              <a:rPr lang="en-US" sz="2000" smtClean="0"/>
+              <a:t> step 1-2</a:t>
             </a:r>
             <a:endParaRPr lang="en-US" sz="2000" dirty="0" smtClean="0"/>
           </a:p>
@@ -15568,7 +15612,7 @@
           <p:cNvPr id="18" name="Picture 17">
             <a:extLst>
               <a:ext uri="{FF2B5EF4-FFF2-40B4-BE49-F238E27FC236}">
-                <a16:creationId xmlns="" xmlns:a16="http://schemas.microsoft.com/office/drawing/2014/main" id="{088EDB95-D57D-43D6-839D-F21AFB3EFF21}"/>
+                <a16:creationId xmlns:a16="http://schemas.microsoft.com/office/drawing/2014/main" xmlns="" id="{088EDB95-D57D-43D6-839D-F21AFB3EFF21}"/>
               </a:ext>
             </a:extLst>
           </p:cNvPr>
@@ -15603,7 +15647,7 @@
           <p:cNvPr id="6" name="Group 5">
             <a:extLst>
               <a:ext uri="{FF2B5EF4-FFF2-40B4-BE49-F238E27FC236}">
-                <a16:creationId xmlns="" xmlns:a16="http://schemas.microsoft.com/office/drawing/2014/main" id="{539FCA66-5646-4B0E-8DAB-6A9D8EC1C265}"/>
+                <a16:creationId xmlns:a16="http://schemas.microsoft.com/office/drawing/2014/main" xmlns="" id="{539FCA66-5646-4B0E-8DAB-6A9D8EC1C265}"/>
               </a:ext>
             </a:extLst>
           </p:cNvPr>
@@ -15623,7 +15667,7 @@
             <p:cNvPr id="7" name="Picture 6">
               <a:extLst>
                 <a:ext uri="{FF2B5EF4-FFF2-40B4-BE49-F238E27FC236}">
-                  <a16:creationId xmlns="" xmlns:a16="http://schemas.microsoft.com/office/drawing/2014/main" id="{5C0680D9-1347-439D-B54E-62825519D7D8}"/>
+                  <a16:creationId xmlns:a16="http://schemas.microsoft.com/office/drawing/2014/main" xmlns="" id="{5C0680D9-1347-439D-B54E-62825519D7D8}"/>
                 </a:ext>
               </a:extLst>
             </p:cNvPr>
@@ -15659,7 +15703,7 @@
             <p:cNvPr id="8" name="Picture 7">
               <a:extLst>
                 <a:ext uri="{FF2B5EF4-FFF2-40B4-BE49-F238E27FC236}">
-                  <a16:creationId xmlns="" xmlns:a16="http://schemas.microsoft.com/office/drawing/2014/main" id="{A4A983BD-FDF3-467D-B6FC-5262B2783492}"/>
+                  <a16:creationId xmlns:a16="http://schemas.microsoft.com/office/drawing/2014/main" xmlns="" id="{A4A983BD-FDF3-467D-B6FC-5262B2783492}"/>
                 </a:ext>
               </a:extLst>
             </p:cNvPr>
@@ -15695,7 +15739,7 @@
             <p:cNvPr id="9" name="Picture 8">
               <a:extLst>
                 <a:ext uri="{FF2B5EF4-FFF2-40B4-BE49-F238E27FC236}">
-                  <a16:creationId xmlns="" xmlns:a16="http://schemas.microsoft.com/office/drawing/2014/main" id="{974C9ED1-F614-40B7-B987-364331AEA7A1}"/>
+                  <a16:creationId xmlns:a16="http://schemas.microsoft.com/office/drawing/2014/main" xmlns="" id="{974C9ED1-F614-40B7-B987-364331AEA7A1}"/>
                 </a:ext>
               </a:extLst>
             </p:cNvPr>
@@ -15731,7 +15775,7 @@
             <p:cNvPr id="10" name="Title 1">
               <a:extLst>
                 <a:ext uri="{FF2B5EF4-FFF2-40B4-BE49-F238E27FC236}">
-                  <a16:creationId xmlns="" xmlns:a16="http://schemas.microsoft.com/office/drawing/2014/main" id="{1D067117-5FDC-4612-B064-B663709B1833}"/>
+                  <a16:creationId xmlns:a16="http://schemas.microsoft.com/office/drawing/2014/main" xmlns="" id="{1D067117-5FDC-4612-B064-B663709B1833}"/>
                 </a:ext>
               </a:extLst>
             </p:cNvPr>
@@ -15801,7 +15845,7 @@
             <p:cNvPr id="11" name="Title 1">
               <a:extLst>
                 <a:ext uri="{FF2B5EF4-FFF2-40B4-BE49-F238E27FC236}">
-                  <a16:creationId xmlns="" xmlns:a16="http://schemas.microsoft.com/office/drawing/2014/main" id="{1836F539-354E-46E3-8616-C5F4B6531B84}"/>
+                  <a16:creationId xmlns:a16="http://schemas.microsoft.com/office/drawing/2014/main" xmlns="" id="{1836F539-354E-46E3-8616-C5F4B6531B84}"/>
                 </a:ext>
               </a:extLst>
             </p:cNvPr>
@@ -15871,7 +15915,7 @@
             <p:cNvPr id="12" name="Title 1">
               <a:extLst>
                 <a:ext uri="{FF2B5EF4-FFF2-40B4-BE49-F238E27FC236}">
-                  <a16:creationId xmlns="" xmlns:a16="http://schemas.microsoft.com/office/drawing/2014/main" id="{01C47935-32DD-4412-BB89-98F47C0CF21E}"/>
+                  <a16:creationId xmlns:a16="http://schemas.microsoft.com/office/drawing/2014/main" xmlns="" id="{01C47935-32DD-4412-BB89-98F47C0CF21E}"/>
                 </a:ext>
               </a:extLst>
             </p:cNvPr>
@@ -15941,7 +15985,7 @@
             <p:cNvPr id="13" name="Picture 12">
               <a:extLst>
                 <a:ext uri="{FF2B5EF4-FFF2-40B4-BE49-F238E27FC236}">
-                  <a16:creationId xmlns="" xmlns:a16="http://schemas.microsoft.com/office/drawing/2014/main" id="{CDCACA51-C325-4023-9C88-859ACDFAD9DE}"/>
+                  <a16:creationId xmlns:a16="http://schemas.microsoft.com/office/drawing/2014/main" xmlns="" id="{CDCACA51-C325-4023-9C88-859ACDFAD9DE}"/>
                 </a:ext>
               </a:extLst>
             </p:cNvPr>
@@ -15977,7 +16021,7 @@
             <p:cNvPr id="14" name="Title 1">
               <a:extLst>
                 <a:ext uri="{FF2B5EF4-FFF2-40B4-BE49-F238E27FC236}">
-                  <a16:creationId xmlns="" xmlns:a16="http://schemas.microsoft.com/office/drawing/2014/main" id="{AB5299A3-9580-4C35-8ACF-51B39D383A60}"/>
+                  <a16:creationId xmlns:a16="http://schemas.microsoft.com/office/drawing/2014/main" xmlns="" id="{AB5299A3-9580-4C35-8ACF-51B39D383A60}"/>
                 </a:ext>
               </a:extLst>
             </p:cNvPr>
@@ -16048,7 +16092,7 @@
           <p:cNvPr id="15" name="Title 1">
             <a:extLst>
               <a:ext uri="{FF2B5EF4-FFF2-40B4-BE49-F238E27FC236}">
-                <a16:creationId xmlns="" xmlns:a16="http://schemas.microsoft.com/office/drawing/2014/main" id="{15B4ECB2-1EA2-45BD-A1C4-83B0C6BDA2C2}"/>
+                <a16:creationId xmlns:a16="http://schemas.microsoft.com/office/drawing/2014/main" xmlns="" id="{15B4ECB2-1EA2-45BD-A1C4-83B0C6BDA2C2}"/>
               </a:ext>
             </a:extLst>
           </p:cNvPr>
@@ -16118,7 +16162,7 @@
           <p:cNvPr id="16" name="Picture 15">
             <a:extLst>
               <a:ext uri="{FF2B5EF4-FFF2-40B4-BE49-F238E27FC236}">
-                <a16:creationId xmlns="" xmlns:a16="http://schemas.microsoft.com/office/drawing/2014/main" id="{09ECE9BA-4A57-4C40-8543-79ADE3BA9D81}"/>
+                <a16:creationId xmlns:a16="http://schemas.microsoft.com/office/drawing/2014/main" xmlns="" id="{09ECE9BA-4A57-4C40-8543-79ADE3BA9D81}"/>
               </a:ext>
             </a:extLst>
           </p:cNvPr>
@@ -16153,7 +16197,7 @@
           <p:cNvPr id="17" name="Rectangle 16">
             <a:extLst>
               <a:ext uri="{FF2B5EF4-FFF2-40B4-BE49-F238E27FC236}">
-                <a16:creationId xmlns="" xmlns:a16="http://schemas.microsoft.com/office/drawing/2014/main" id="{FE69A50C-EA9B-47A2-B1B3-8D385A77FE0F}"/>
+                <a16:creationId xmlns:a16="http://schemas.microsoft.com/office/drawing/2014/main" xmlns="" id="{FE69A50C-EA9B-47A2-B1B3-8D385A77FE0F}"/>
               </a:ext>
             </a:extLst>
           </p:cNvPr>
@@ -16429,7 +16473,7 @@
           <p:cNvPr id="20" name="Group 19">
             <a:extLst>
               <a:ext uri="{FF2B5EF4-FFF2-40B4-BE49-F238E27FC236}">
-                <a16:creationId xmlns="" xmlns:a16="http://schemas.microsoft.com/office/drawing/2014/main" id="{AD8B2030-99C4-4505-9667-DE6CE4B6CE0B}"/>
+                <a16:creationId xmlns:a16="http://schemas.microsoft.com/office/drawing/2014/main" xmlns="" id="{AD8B2030-99C4-4505-9667-DE6CE4B6CE0B}"/>
               </a:ext>
             </a:extLst>
           </p:cNvPr>
@@ -16449,7 +16493,7 @@
             <p:cNvPr id="21" name="Picture 20">
               <a:extLst>
                 <a:ext uri="{FF2B5EF4-FFF2-40B4-BE49-F238E27FC236}">
-                  <a16:creationId xmlns="" xmlns:a16="http://schemas.microsoft.com/office/drawing/2014/main" id="{9587EFBD-0C26-4194-996D-1BA694E97DCD}"/>
+                  <a16:creationId xmlns:a16="http://schemas.microsoft.com/office/drawing/2014/main" xmlns="" id="{9587EFBD-0C26-4194-996D-1BA694E97DCD}"/>
                 </a:ext>
               </a:extLst>
             </p:cNvPr>
@@ -16485,7 +16529,7 @@
             <p:cNvPr id="22" name="Title 1">
               <a:extLst>
                 <a:ext uri="{FF2B5EF4-FFF2-40B4-BE49-F238E27FC236}">
-                  <a16:creationId xmlns="" xmlns:a16="http://schemas.microsoft.com/office/drawing/2014/main" id="{D2C9E095-20A3-45B6-B340-94169BBF4AC4}"/>
+                  <a16:creationId xmlns:a16="http://schemas.microsoft.com/office/drawing/2014/main" xmlns="" id="{D2C9E095-20A3-45B6-B340-94169BBF4AC4}"/>
                 </a:ext>
               </a:extLst>
             </p:cNvPr>

--- a/IoT - 26 - Data Processing.pptx
+++ b/IoT - 26 - Data Processing.pptx
@@ -412,7 +412,7 @@
           <a:p>
             <a:fld id="{89AA8B8B-1B1C-42C4-BE9B-2D1516377903}" type="datetimeFigureOut">
               <a:rPr lang="en-US" smtClean="0"/>
-              <a:t>8/6/2019</a:t>
+              <a:t>8/7/2019</a:t>
             </a:fld>
             <a:endParaRPr lang="en-US"/>
           </a:p>
@@ -582,7 +582,7 @@
           <a:p>
             <a:fld id="{89AA8B8B-1B1C-42C4-BE9B-2D1516377903}" type="datetimeFigureOut">
               <a:rPr lang="en-US" smtClean="0"/>
-              <a:t>8/6/2019</a:t>
+              <a:t>8/7/2019</a:t>
             </a:fld>
             <a:endParaRPr lang="en-US"/>
           </a:p>
@@ -762,7 +762,7 @@
           <a:p>
             <a:fld id="{89AA8B8B-1B1C-42C4-BE9B-2D1516377903}" type="datetimeFigureOut">
               <a:rPr lang="en-US" smtClean="0"/>
-              <a:t>8/6/2019</a:t>
+              <a:t>8/7/2019</a:t>
             </a:fld>
             <a:endParaRPr lang="en-US"/>
           </a:p>
@@ -931,7 +931,7 @@
           <a:p>
             <a:fld id="{89AA8B8B-1B1C-42C4-BE9B-2D1516377903}" type="datetimeFigureOut">
               <a:rPr lang="en-US" smtClean="0"/>
-              <a:t>8/6/2019</a:t>
+              <a:t>8/7/2019</a:t>
             </a:fld>
             <a:endParaRPr lang="en-US"/>
           </a:p>
@@ -1180,7 +1180,7 @@
           <a:p>
             <a:fld id="{89AA8B8B-1B1C-42C4-BE9B-2D1516377903}" type="datetimeFigureOut">
               <a:rPr lang="en-US" smtClean="0"/>
-              <a:t>8/6/2019</a:t>
+              <a:t>8/7/2019</a:t>
             </a:fld>
             <a:endParaRPr lang="en-US"/>
           </a:p>
@@ -1412,7 +1412,7 @@
           <a:p>
             <a:fld id="{89AA8B8B-1B1C-42C4-BE9B-2D1516377903}" type="datetimeFigureOut">
               <a:rPr lang="en-US" smtClean="0"/>
-              <a:t>8/6/2019</a:t>
+              <a:t>8/7/2019</a:t>
             </a:fld>
             <a:endParaRPr lang="en-US"/>
           </a:p>
@@ -1779,7 +1779,7 @@
           <a:p>
             <a:fld id="{89AA8B8B-1B1C-42C4-BE9B-2D1516377903}" type="datetimeFigureOut">
               <a:rPr lang="en-US" smtClean="0"/>
-              <a:t>8/6/2019</a:t>
+              <a:t>8/7/2019</a:t>
             </a:fld>
             <a:endParaRPr lang="en-US"/>
           </a:p>
@@ -1897,7 +1897,7 @@
           <a:p>
             <a:fld id="{89AA8B8B-1B1C-42C4-BE9B-2D1516377903}" type="datetimeFigureOut">
               <a:rPr lang="en-US" smtClean="0"/>
-              <a:t>8/6/2019</a:t>
+              <a:t>8/7/2019</a:t>
             </a:fld>
             <a:endParaRPr lang="en-US"/>
           </a:p>
@@ -1992,7 +1992,7 @@
           <a:p>
             <a:fld id="{89AA8B8B-1B1C-42C4-BE9B-2D1516377903}" type="datetimeFigureOut">
               <a:rPr lang="en-US" smtClean="0"/>
-              <a:t>8/6/2019</a:t>
+              <a:t>8/7/2019</a:t>
             </a:fld>
             <a:endParaRPr lang="en-US"/>
           </a:p>
@@ -2269,7 +2269,7 @@
           <a:p>
             <a:fld id="{89AA8B8B-1B1C-42C4-BE9B-2D1516377903}" type="datetimeFigureOut">
               <a:rPr lang="en-US" smtClean="0"/>
-              <a:t>8/6/2019</a:t>
+              <a:t>8/7/2019</a:t>
             </a:fld>
             <a:endParaRPr lang="en-US"/>
           </a:p>
@@ -2526,7 +2526,7 @@
           <a:p>
             <a:fld id="{89AA8B8B-1B1C-42C4-BE9B-2D1516377903}" type="datetimeFigureOut">
               <a:rPr lang="en-US" smtClean="0"/>
-              <a:t>8/6/2019</a:t>
+              <a:t>8/7/2019</a:t>
             </a:fld>
             <a:endParaRPr lang="en-US"/>
           </a:p>
@@ -2737,7 +2737,7 @@
           <a:p>
             <a:fld id="{89AA8B8B-1B1C-42C4-BE9B-2D1516377903}" type="datetimeFigureOut">
               <a:rPr lang="en-US" smtClean="0"/>
-              <a:t>8/6/2019</a:t>
+              <a:t>8/7/2019</a:t>
             </a:fld>
             <a:endParaRPr lang="en-US"/>
           </a:p>
@@ -2826,7 +2826,7 @@
           <p:cNvPr id="7" name="Group 6">
             <a:extLst>
               <a:ext uri="{FF2B5EF4-FFF2-40B4-BE49-F238E27FC236}">
-                <a16:creationId xmlns:a16="http://schemas.microsoft.com/office/drawing/2014/main" xmlns="" id="{B8B1B517-CE10-451E-92F5-CBA2977A8025}"/>
+                <a16:creationId xmlns="" xmlns:a16="http://schemas.microsoft.com/office/drawing/2014/main" id="{B8B1B517-CE10-451E-92F5-CBA2977A8025}"/>
               </a:ext>
             </a:extLst>
           </p:cNvPr>
@@ -2846,7 +2846,7 @@
             <p:cNvPr id="8" name="Picture 7">
               <a:extLst>
                 <a:ext uri="{FF2B5EF4-FFF2-40B4-BE49-F238E27FC236}">
-                  <a16:creationId xmlns:a16="http://schemas.microsoft.com/office/drawing/2014/main" xmlns="" id="{DA670464-DF80-4880-BF4C-582A85F3B282}"/>
+                  <a16:creationId xmlns="" xmlns:a16="http://schemas.microsoft.com/office/drawing/2014/main" id="{DA670464-DF80-4880-BF4C-582A85F3B282}"/>
                 </a:ext>
               </a:extLst>
             </p:cNvPr>
@@ -2882,7 +2882,7 @@
             <p:cNvPr id="9" name="Title 1">
               <a:extLst>
                 <a:ext uri="{FF2B5EF4-FFF2-40B4-BE49-F238E27FC236}">
-                  <a16:creationId xmlns:a16="http://schemas.microsoft.com/office/drawing/2014/main" xmlns="" id="{C9E49C98-31DC-4320-85F0-1310768EAE59}"/>
+                  <a16:creationId xmlns="" xmlns:a16="http://schemas.microsoft.com/office/drawing/2014/main" id="{C9E49C98-31DC-4320-85F0-1310768EAE59}"/>
                 </a:ext>
               </a:extLst>
             </p:cNvPr>
@@ -3274,7 +3274,7 @@
           <p:cNvPr id="47" name="Picture 46">
             <a:extLst>
               <a:ext uri="{FF2B5EF4-FFF2-40B4-BE49-F238E27FC236}">
-                <a16:creationId xmlns:a16="http://schemas.microsoft.com/office/drawing/2014/main" xmlns="" id="{1CA5F2D1-C77B-4614-B681-5858C9584088}"/>
+                <a16:creationId xmlns="" xmlns:a16="http://schemas.microsoft.com/office/drawing/2014/main" id="{1CA5F2D1-C77B-4614-B681-5858C9584088}"/>
               </a:ext>
             </a:extLst>
           </p:cNvPr>
@@ -3309,7 +3309,7 @@
           <p:cNvPr id="11" name="Picture 10">
             <a:extLst>
               <a:ext uri="{FF2B5EF4-FFF2-40B4-BE49-F238E27FC236}">
-                <a16:creationId xmlns:a16="http://schemas.microsoft.com/office/drawing/2014/main" xmlns="" id="{8EA70F98-D6BF-44D5-864A-E8B8E6EA8A9F}"/>
+                <a16:creationId xmlns="" xmlns:a16="http://schemas.microsoft.com/office/drawing/2014/main" id="{8EA70F98-D6BF-44D5-864A-E8B8E6EA8A9F}"/>
               </a:ext>
             </a:extLst>
           </p:cNvPr>
@@ -3344,7 +3344,7 @@
           <p:cNvPr id="12" name="Rectangle 11">
             <a:extLst>
               <a:ext uri="{FF2B5EF4-FFF2-40B4-BE49-F238E27FC236}">
-                <a16:creationId xmlns:a16="http://schemas.microsoft.com/office/drawing/2014/main" xmlns="" id="{57E39DBC-BF39-4AA8-A8D4-8190CF567658}"/>
+                <a16:creationId xmlns="" xmlns:a16="http://schemas.microsoft.com/office/drawing/2014/main" id="{57E39DBC-BF39-4AA8-A8D4-8190CF567658}"/>
               </a:ext>
             </a:extLst>
           </p:cNvPr>
@@ -3407,7 +3407,7 @@
           <p:cNvPr id="21" name="Picture 20">
             <a:extLst>
               <a:ext uri="{FF2B5EF4-FFF2-40B4-BE49-F238E27FC236}">
-                <a16:creationId xmlns:a16="http://schemas.microsoft.com/office/drawing/2014/main" xmlns="" id="{089B2762-C2F9-4BAC-B1EE-95539397A963}"/>
+                <a16:creationId xmlns="" xmlns:a16="http://schemas.microsoft.com/office/drawing/2014/main" id="{089B2762-C2F9-4BAC-B1EE-95539397A963}"/>
               </a:ext>
             </a:extLst>
           </p:cNvPr>
@@ -3443,7 +3443,7 @@
           <p:cNvPr id="46" name="Group 45">
             <a:extLst>
               <a:ext uri="{FF2B5EF4-FFF2-40B4-BE49-F238E27FC236}">
-                <a16:creationId xmlns:a16="http://schemas.microsoft.com/office/drawing/2014/main" xmlns="" id="{4B60F85D-D540-4735-B378-D7D9225FE7F3}"/>
+                <a16:creationId xmlns="" xmlns:a16="http://schemas.microsoft.com/office/drawing/2014/main" id="{4B60F85D-D540-4735-B378-D7D9225FE7F3}"/>
               </a:ext>
             </a:extLst>
           </p:cNvPr>
@@ -3463,7 +3463,7 @@
             <p:cNvPr id="34" name="Picture 33">
               <a:extLst>
                 <a:ext uri="{FF2B5EF4-FFF2-40B4-BE49-F238E27FC236}">
-                  <a16:creationId xmlns:a16="http://schemas.microsoft.com/office/drawing/2014/main" xmlns="" id="{2CE453EB-EDB4-49CF-90BE-4F74F5C3CE50}"/>
+                  <a16:creationId xmlns="" xmlns:a16="http://schemas.microsoft.com/office/drawing/2014/main" id="{2CE453EB-EDB4-49CF-90BE-4F74F5C3CE50}"/>
                 </a:ext>
               </a:extLst>
             </p:cNvPr>
@@ -3499,7 +3499,7 @@
             <p:cNvPr id="37" name="Title 1">
               <a:extLst>
                 <a:ext uri="{FF2B5EF4-FFF2-40B4-BE49-F238E27FC236}">
-                  <a16:creationId xmlns:a16="http://schemas.microsoft.com/office/drawing/2014/main" xmlns="" id="{73E0DBD7-B92C-4F4C-A59F-F8EF3A4C3876}"/>
+                  <a16:creationId xmlns="" xmlns:a16="http://schemas.microsoft.com/office/drawing/2014/main" id="{73E0DBD7-B92C-4F4C-A59F-F8EF3A4C3876}"/>
                 </a:ext>
               </a:extLst>
             </p:cNvPr>
@@ -3570,7 +3570,7 @@
           <p:cNvPr id="17" name="Title 1">
             <a:extLst>
               <a:ext uri="{FF2B5EF4-FFF2-40B4-BE49-F238E27FC236}">
-                <a16:creationId xmlns:a16="http://schemas.microsoft.com/office/drawing/2014/main" xmlns="" id="{FE488684-4B91-45E0-AC48-E54C1020FB09}"/>
+                <a16:creationId xmlns="" xmlns:a16="http://schemas.microsoft.com/office/drawing/2014/main" id="{FE488684-4B91-45E0-AC48-E54C1020FB09}"/>
               </a:ext>
             </a:extLst>
           </p:cNvPr>
@@ -4940,7 +4940,7 @@
           <p:cNvPr id="2" name="Title 1">
             <a:extLst>
               <a:ext uri="{FF2B5EF4-FFF2-40B4-BE49-F238E27FC236}">
-                <a16:creationId xmlns:a16="http://schemas.microsoft.com/office/drawing/2014/main" xmlns="" id="{EBC7F5F5-6472-4058-B940-4A57EB876553}"/>
+                <a16:creationId xmlns="" xmlns:a16="http://schemas.microsoft.com/office/drawing/2014/main" id="{EBC7F5F5-6472-4058-B940-4A57EB876553}"/>
               </a:ext>
             </a:extLst>
           </p:cNvPr>
@@ -4969,7 +4969,7 @@
           <p:cNvPr id="3" name="Content Placeholder 2">
             <a:extLst>
               <a:ext uri="{FF2B5EF4-FFF2-40B4-BE49-F238E27FC236}">
-                <a16:creationId xmlns:a16="http://schemas.microsoft.com/office/drawing/2014/main" xmlns="" id="{37D1BF9C-629D-45B7-9A7B-4433E5D0E548}"/>
+                <a16:creationId xmlns="" xmlns:a16="http://schemas.microsoft.com/office/drawing/2014/main" id="{37D1BF9C-629D-45B7-9A7B-4433E5D0E548}"/>
               </a:ext>
             </a:extLst>
           </p:cNvPr>
@@ -15612,7 +15612,7 @@
           <p:cNvPr id="18" name="Picture 17">
             <a:extLst>
               <a:ext uri="{FF2B5EF4-FFF2-40B4-BE49-F238E27FC236}">
-                <a16:creationId xmlns:a16="http://schemas.microsoft.com/office/drawing/2014/main" xmlns="" id="{088EDB95-D57D-43D6-839D-F21AFB3EFF21}"/>
+                <a16:creationId xmlns="" xmlns:a16="http://schemas.microsoft.com/office/drawing/2014/main" id="{088EDB95-D57D-43D6-839D-F21AFB3EFF21}"/>
               </a:ext>
             </a:extLst>
           </p:cNvPr>
@@ -15647,7 +15647,7 @@
           <p:cNvPr id="6" name="Group 5">
             <a:extLst>
               <a:ext uri="{FF2B5EF4-FFF2-40B4-BE49-F238E27FC236}">
-                <a16:creationId xmlns:a16="http://schemas.microsoft.com/office/drawing/2014/main" xmlns="" id="{539FCA66-5646-4B0E-8DAB-6A9D8EC1C265}"/>
+                <a16:creationId xmlns="" xmlns:a16="http://schemas.microsoft.com/office/drawing/2014/main" id="{539FCA66-5646-4B0E-8DAB-6A9D8EC1C265}"/>
               </a:ext>
             </a:extLst>
           </p:cNvPr>
@@ -15667,7 +15667,7 @@
             <p:cNvPr id="7" name="Picture 6">
               <a:extLst>
                 <a:ext uri="{FF2B5EF4-FFF2-40B4-BE49-F238E27FC236}">
-                  <a16:creationId xmlns:a16="http://schemas.microsoft.com/office/drawing/2014/main" xmlns="" id="{5C0680D9-1347-439D-B54E-62825519D7D8}"/>
+                  <a16:creationId xmlns="" xmlns:a16="http://schemas.microsoft.com/office/drawing/2014/main" id="{5C0680D9-1347-439D-B54E-62825519D7D8}"/>
                 </a:ext>
               </a:extLst>
             </p:cNvPr>
@@ -15703,7 +15703,7 @@
             <p:cNvPr id="8" name="Picture 7">
               <a:extLst>
                 <a:ext uri="{FF2B5EF4-FFF2-40B4-BE49-F238E27FC236}">
-                  <a16:creationId xmlns:a16="http://schemas.microsoft.com/office/drawing/2014/main" xmlns="" id="{A4A983BD-FDF3-467D-B6FC-5262B2783492}"/>
+                  <a16:creationId xmlns="" xmlns:a16="http://schemas.microsoft.com/office/drawing/2014/main" id="{A4A983BD-FDF3-467D-B6FC-5262B2783492}"/>
                 </a:ext>
               </a:extLst>
             </p:cNvPr>
@@ -15739,7 +15739,7 @@
             <p:cNvPr id="9" name="Picture 8">
               <a:extLst>
                 <a:ext uri="{FF2B5EF4-FFF2-40B4-BE49-F238E27FC236}">
-                  <a16:creationId xmlns:a16="http://schemas.microsoft.com/office/drawing/2014/main" xmlns="" id="{974C9ED1-F614-40B7-B987-364331AEA7A1}"/>
+                  <a16:creationId xmlns="" xmlns:a16="http://schemas.microsoft.com/office/drawing/2014/main" id="{974C9ED1-F614-40B7-B987-364331AEA7A1}"/>
                 </a:ext>
               </a:extLst>
             </p:cNvPr>
@@ -15775,7 +15775,7 @@
             <p:cNvPr id="10" name="Title 1">
               <a:extLst>
                 <a:ext uri="{FF2B5EF4-FFF2-40B4-BE49-F238E27FC236}">
-                  <a16:creationId xmlns:a16="http://schemas.microsoft.com/office/drawing/2014/main" xmlns="" id="{1D067117-5FDC-4612-B064-B663709B1833}"/>
+                  <a16:creationId xmlns="" xmlns:a16="http://schemas.microsoft.com/office/drawing/2014/main" id="{1D067117-5FDC-4612-B064-B663709B1833}"/>
                 </a:ext>
               </a:extLst>
             </p:cNvPr>
@@ -15845,7 +15845,7 @@
             <p:cNvPr id="11" name="Title 1">
               <a:extLst>
                 <a:ext uri="{FF2B5EF4-FFF2-40B4-BE49-F238E27FC236}">
-                  <a16:creationId xmlns:a16="http://schemas.microsoft.com/office/drawing/2014/main" xmlns="" id="{1836F539-354E-46E3-8616-C5F4B6531B84}"/>
+                  <a16:creationId xmlns="" xmlns:a16="http://schemas.microsoft.com/office/drawing/2014/main" id="{1836F539-354E-46E3-8616-C5F4B6531B84}"/>
                 </a:ext>
               </a:extLst>
             </p:cNvPr>
@@ -15915,7 +15915,7 @@
             <p:cNvPr id="12" name="Title 1">
               <a:extLst>
                 <a:ext uri="{FF2B5EF4-FFF2-40B4-BE49-F238E27FC236}">
-                  <a16:creationId xmlns:a16="http://schemas.microsoft.com/office/drawing/2014/main" xmlns="" id="{01C47935-32DD-4412-BB89-98F47C0CF21E}"/>
+                  <a16:creationId xmlns="" xmlns:a16="http://schemas.microsoft.com/office/drawing/2014/main" id="{01C47935-32DD-4412-BB89-98F47C0CF21E}"/>
                 </a:ext>
               </a:extLst>
             </p:cNvPr>
@@ -15985,7 +15985,7 @@
             <p:cNvPr id="13" name="Picture 12">
               <a:extLst>
                 <a:ext uri="{FF2B5EF4-FFF2-40B4-BE49-F238E27FC236}">
-                  <a16:creationId xmlns:a16="http://schemas.microsoft.com/office/drawing/2014/main" xmlns="" id="{CDCACA51-C325-4023-9C88-859ACDFAD9DE}"/>
+                  <a16:creationId xmlns="" xmlns:a16="http://schemas.microsoft.com/office/drawing/2014/main" id="{CDCACA51-C325-4023-9C88-859ACDFAD9DE}"/>
                 </a:ext>
               </a:extLst>
             </p:cNvPr>
@@ -16021,7 +16021,7 @@
             <p:cNvPr id="14" name="Title 1">
               <a:extLst>
                 <a:ext uri="{FF2B5EF4-FFF2-40B4-BE49-F238E27FC236}">
-                  <a16:creationId xmlns:a16="http://schemas.microsoft.com/office/drawing/2014/main" xmlns="" id="{AB5299A3-9580-4C35-8ACF-51B39D383A60}"/>
+                  <a16:creationId xmlns="" xmlns:a16="http://schemas.microsoft.com/office/drawing/2014/main" id="{AB5299A3-9580-4C35-8ACF-51B39D383A60}"/>
                 </a:ext>
               </a:extLst>
             </p:cNvPr>
@@ -16092,7 +16092,7 @@
           <p:cNvPr id="15" name="Title 1">
             <a:extLst>
               <a:ext uri="{FF2B5EF4-FFF2-40B4-BE49-F238E27FC236}">
-                <a16:creationId xmlns:a16="http://schemas.microsoft.com/office/drawing/2014/main" xmlns="" id="{15B4ECB2-1EA2-45BD-A1C4-83B0C6BDA2C2}"/>
+                <a16:creationId xmlns="" xmlns:a16="http://schemas.microsoft.com/office/drawing/2014/main" id="{15B4ECB2-1EA2-45BD-A1C4-83B0C6BDA2C2}"/>
               </a:ext>
             </a:extLst>
           </p:cNvPr>
@@ -16162,7 +16162,7 @@
           <p:cNvPr id="16" name="Picture 15">
             <a:extLst>
               <a:ext uri="{FF2B5EF4-FFF2-40B4-BE49-F238E27FC236}">
-                <a16:creationId xmlns:a16="http://schemas.microsoft.com/office/drawing/2014/main" xmlns="" id="{09ECE9BA-4A57-4C40-8543-79ADE3BA9D81}"/>
+                <a16:creationId xmlns="" xmlns:a16="http://schemas.microsoft.com/office/drawing/2014/main" id="{09ECE9BA-4A57-4C40-8543-79ADE3BA9D81}"/>
               </a:ext>
             </a:extLst>
           </p:cNvPr>
@@ -16197,7 +16197,7 @@
           <p:cNvPr id="17" name="Rectangle 16">
             <a:extLst>
               <a:ext uri="{FF2B5EF4-FFF2-40B4-BE49-F238E27FC236}">
-                <a16:creationId xmlns:a16="http://schemas.microsoft.com/office/drawing/2014/main" xmlns="" id="{FE69A50C-EA9B-47A2-B1B3-8D385A77FE0F}"/>
+                <a16:creationId xmlns="" xmlns:a16="http://schemas.microsoft.com/office/drawing/2014/main" id="{FE69A50C-EA9B-47A2-B1B3-8D385A77FE0F}"/>
               </a:ext>
             </a:extLst>
           </p:cNvPr>
@@ -16473,7 +16473,7 @@
           <p:cNvPr id="20" name="Group 19">
             <a:extLst>
               <a:ext uri="{FF2B5EF4-FFF2-40B4-BE49-F238E27FC236}">
-                <a16:creationId xmlns:a16="http://schemas.microsoft.com/office/drawing/2014/main" xmlns="" id="{AD8B2030-99C4-4505-9667-DE6CE4B6CE0B}"/>
+                <a16:creationId xmlns="" xmlns:a16="http://schemas.microsoft.com/office/drawing/2014/main" id="{AD8B2030-99C4-4505-9667-DE6CE4B6CE0B}"/>
               </a:ext>
             </a:extLst>
           </p:cNvPr>
@@ -16493,7 +16493,7 @@
             <p:cNvPr id="21" name="Picture 20">
               <a:extLst>
                 <a:ext uri="{FF2B5EF4-FFF2-40B4-BE49-F238E27FC236}">
-                  <a16:creationId xmlns:a16="http://schemas.microsoft.com/office/drawing/2014/main" xmlns="" id="{9587EFBD-0C26-4194-996D-1BA694E97DCD}"/>
+                  <a16:creationId xmlns="" xmlns:a16="http://schemas.microsoft.com/office/drawing/2014/main" id="{9587EFBD-0C26-4194-996D-1BA694E97DCD}"/>
                 </a:ext>
               </a:extLst>
             </p:cNvPr>
@@ -16529,7 +16529,7 @@
             <p:cNvPr id="22" name="Title 1">
               <a:extLst>
                 <a:ext uri="{FF2B5EF4-FFF2-40B4-BE49-F238E27FC236}">
-                  <a16:creationId xmlns:a16="http://schemas.microsoft.com/office/drawing/2014/main" xmlns="" id="{D2C9E095-20A3-45B6-B340-94169BBF4AC4}"/>
+                  <a16:creationId xmlns="" xmlns:a16="http://schemas.microsoft.com/office/drawing/2014/main" id="{D2C9E095-20A3-45B6-B340-94169BBF4AC4}"/>
                 </a:ext>
               </a:extLst>
             </p:cNvPr>
